--- a/presenntation.pptx
+++ b/presenntation.pptx
@@ -9635,7 +9635,23 @@
           <a:p>
             <a:r>
               <a:rPr lang="en-US" i="1" dirty="0"/>
-              <a:t>Create a method that checks if the integer value is an even or odd number, return 1 for even and 0 for odd. </a:t>
+              <a:t>Create a method that checks if the integer value is an even or odd number, </a:t>
+            </a:r>
+            <a:r>
+              <a:rPr lang="en-US" i="1"/>
+              <a:t>return 0 </a:t>
+            </a:r>
+            <a:r>
+              <a:rPr lang="en-US" i="1" dirty="0"/>
+              <a:t>for even </a:t>
+            </a:r>
+            <a:r>
+              <a:rPr lang="en-US" i="1"/>
+              <a:t>and 1 </a:t>
+            </a:r>
+            <a:r>
+              <a:rPr lang="en-US" i="1" dirty="0"/>
+              <a:t>for odd. </a:t>
             </a:r>
           </a:p>
           <a:p>

--- a/presenntation.pptx
+++ b/presenntation.pptx
@@ -6,10 +6,11 @@
   </p:sldMasterIdLst>
   <p:sldIdLst>
     <p:sldId id="256" r:id="rId2"/>
-    <p:sldId id="257" r:id="rId3"/>
-    <p:sldId id="260" r:id="rId4"/>
-    <p:sldId id="258" r:id="rId5"/>
-    <p:sldId id="259" r:id="rId6"/>
+    <p:sldId id="261" r:id="rId3"/>
+    <p:sldId id="257" r:id="rId4"/>
+    <p:sldId id="260" r:id="rId5"/>
+    <p:sldId id="258" r:id="rId6"/>
+    <p:sldId id="259" r:id="rId7"/>
   </p:sldIdLst>
   <p:sldSz cx="12192000" cy="6858000"/>
   <p:notesSz cx="6858000" cy="9144000"/>
@@ -150,7 +151,7 @@
           <a:p>
             <a:fld id="{6E02D03B-9435-574C-AD38-0A797272BEDB}" type="datetimeFigureOut">
               <a:rPr lang="en-US" smtClean="0"/>
-              <a:t>2/8/20</a:t>
+              <a:t>2/12/20</a:t>
             </a:fld>
             <a:endParaRPr lang="en-US"/>
           </a:p>
@@ -964,7 +965,7 @@
           <a:p>
             <a:fld id="{6E02D03B-9435-574C-AD38-0A797272BEDB}" type="datetimeFigureOut">
               <a:rPr lang="en-US" smtClean="0"/>
-              <a:t>2/8/20</a:t>
+              <a:t>2/12/20</a:t>
             </a:fld>
             <a:endParaRPr lang="en-US"/>
           </a:p>
@@ -1501,7 +1502,7 @@
           <a:p>
             <a:fld id="{6E02D03B-9435-574C-AD38-0A797272BEDB}" type="datetimeFigureOut">
               <a:rPr lang="en-US" smtClean="0"/>
-              <a:t>2/8/20</a:t>
+              <a:t>2/12/20</a:t>
             </a:fld>
             <a:endParaRPr lang="en-US"/>
           </a:p>
@@ -1990,7 +1991,7 @@
           <a:p>
             <a:fld id="{6E02D03B-9435-574C-AD38-0A797272BEDB}" type="datetimeFigureOut">
               <a:rPr lang="en-US" smtClean="0"/>
-              <a:t>2/8/20</a:t>
+              <a:t>2/12/20</a:t>
             </a:fld>
             <a:endParaRPr lang="en-US"/>
           </a:p>
@@ -2386,7 +2387,7 @@
           <a:p>
             <a:fld id="{6E02D03B-9435-574C-AD38-0A797272BEDB}" type="datetimeFigureOut">
               <a:rPr lang="en-US" smtClean="0"/>
-              <a:t>2/8/20</a:t>
+              <a:t>2/12/20</a:t>
             </a:fld>
             <a:endParaRPr lang="en-US"/>
           </a:p>
@@ -3116,7 +3117,7 @@
           <a:p>
             <a:fld id="{6E02D03B-9435-574C-AD38-0A797272BEDB}" type="datetimeFigureOut">
               <a:rPr lang="en-US" smtClean="0"/>
-              <a:t>2/8/20</a:t>
+              <a:t>2/12/20</a:t>
             </a:fld>
             <a:endParaRPr lang="en-US"/>
           </a:p>
@@ -3693,7 +3694,7 @@
           <a:p>
             <a:fld id="{6E02D03B-9435-574C-AD38-0A797272BEDB}" type="datetimeFigureOut">
               <a:rPr lang="en-US" smtClean="0"/>
-              <a:t>2/8/20</a:t>
+              <a:t>2/12/20</a:t>
             </a:fld>
             <a:endParaRPr lang="en-US"/>
           </a:p>
@@ -4145,7 +4146,7 @@
           <a:p>
             <a:fld id="{6E02D03B-9435-574C-AD38-0A797272BEDB}" type="datetimeFigureOut">
               <a:rPr lang="en-US" smtClean="0"/>
-              <a:t>2/8/20</a:t>
+              <a:t>2/12/20</a:t>
             </a:fld>
             <a:endParaRPr lang="en-US"/>
           </a:p>
@@ -4583,7 +4584,7 @@
           <a:p>
             <a:fld id="{6E02D03B-9435-574C-AD38-0A797272BEDB}" type="datetimeFigureOut">
               <a:rPr lang="en-US" smtClean="0"/>
-              <a:t>2/8/20</a:t>
+              <a:t>2/12/20</a:t>
             </a:fld>
             <a:endParaRPr lang="en-US"/>
           </a:p>
@@ -4937,7 +4938,7 @@
           <a:p>
             <a:fld id="{6E02D03B-9435-574C-AD38-0A797272BEDB}" type="datetimeFigureOut">
               <a:rPr lang="en-US" smtClean="0"/>
-              <a:t>2/8/20</a:t>
+              <a:t>2/12/20</a:t>
             </a:fld>
             <a:endParaRPr lang="en-US"/>
           </a:p>
@@ -5700,7 +5701,7 @@
           <a:p>
             <a:fld id="{6E02D03B-9435-574C-AD38-0A797272BEDB}" type="datetimeFigureOut">
               <a:rPr lang="en-US" smtClean="0"/>
-              <a:t>2/8/20</a:t>
+              <a:t>2/12/20</a:t>
             </a:fld>
             <a:endParaRPr lang="en-US"/>
           </a:p>
@@ -6072,7 +6073,7 @@
           <a:p>
             <a:fld id="{6E02D03B-9435-574C-AD38-0A797272BEDB}" type="datetimeFigureOut">
               <a:rPr lang="en-US" smtClean="0"/>
-              <a:t>2/8/20</a:t>
+              <a:t>2/12/20</a:t>
             </a:fld>
             <a:endParaRPr lang="en-US"/>
           </a:p>
@@ -6869,7 +6870,7 @@
           <a:p>
             <a:fld id="{6E02D03B-9435-574C-AD38-0A797272BEDB}" type="datetimeFigureOut">
               <a:rPr lang="en-US" smtClean="0"/>
-              <a:t>2/8/20</a:t>
+              <a:t>2/12/20</a:t>
             </a:fld>
             <a:endParaRPr lang="en-US"/>
           </a:p>
@@ -7583,7 +7584,7 @@
           <a:p>
             <a:fld id="{6E02D03B-9435-574C-AD38-0A797272BEDB}" type="datetimeFigureOut">
               <a:rPr lang="en-US" smtClean="0"/>
-              <a:t>2/8/20</a:t>
+              <a:t>2/12/20</a:t>
             </a:fld>
             <a:endParaRPr lang="en-US"/>
           </a:p>
@@ -7965,7 +7966,7 @@
           <a:p>
             <a:fld id="{6E02D03B-9435-574C-AD38-0A797272BEDB}" type="datetimeFigureOut">
               <a:rPr lang="en-US" smtClean="0"/>
-              <a:t>2/8/20</a:t>
+              <a:t>2/12/20</a:t>
             </a:fld>
             <a:endParaRPr lang="en-US"/>
           </a:p>
@@ -8274,7 +8275,7 @@
           <a:p>
             <a:fld id="{6E02D03B-9435-574C-AD38-0A797272BEDB}" type="datetimeFigureOut">
               <a:rPr lang="en-US" smtClean="0"/>
-              <a:t>2/8/20</a:t>
+              <a:t>2/12/20</a:t>
             </a:fld>
             <a:endParaRPr lang="en-US"/>
           </a:p>
@@ -8668,7 +8669,7 @@
           <a:p>
             <a:fld id="{6E02D03B-9435-574C-AD38-0A797272BEDB}" type="datetimeFigureOut">
               <a:rPr lang="en-US" smtClean="0"/>
-              <a:t>2/8/20</a:t>
+              <a:t>2/12/20</a:t>
             </a:fld>
             <a:endParaRPr lang="en-US"/>
           </a:p>
@@ -9298,7 +9299,7 @@
           <p:cNvPr id="2" name="Title 1">
             <a:extLst>
               <a:ext uri="{FF2B5EF4-FFF2-40B4-BE49-F238E27FC236}">
-                <a16:creationId xmlns:a16="http://schemas.microsoft.com/office/drawing/2014/main" id="{F060F0D3-EFB2-874A-B84A-15BE6CF558BB}"/>
+                <a16:creationId xmlns:a16="http://schemas.microsoft.com/office/drawing/2014/main" id="{AFBEF3C4-C56D-994A-9082-BED7BA3EEF9E}"/>
               </a:ext>
             </a:extLst>
           </p:cNvPr>
@@ -9316,7 +9317,7 @@
           <a:p>
             <a:r>
               <a:rPr lang="en-US" dirty="0"/>
-              <a:t>What will be covered?</a:t>
+              <a:t>Spock what ?</a:t>
             </a:r>
           </a:p>
         </p:txBody>
@@ -9326,7 +9327,7 @@
           <p:cNvPr id="3" name="Content Placeholder 2">
             <a:extLst>
               <a:ext uri="{FF2B5EF4-FFF2-40B4-BE49-F238E27FC236}">
-                <a16:creationId xmlns:a16="http://schemas.microsoft.com/office/drawing/2014/main" id="{923826C6-F94A-A24F-B2A1-23EE399E2FE0}"/>
+                <a16:creationId xmlns:a16="http://schemas.microsoft.com/office/drawing/2014/main" id="{3A904141-C12E-754E-8013-D8B4CF428741}"/>
               </a:ext>
             </a:extLst>
           </p:cNvPr>
@@ -9337,90 +9338,73 @@
             <p:ph idx="1"/>
           </p:nvPr>
         </p:nvSpPr>
-        <p:spPr/>
-        <p:txBody>
-          <a:bodyPr/>
+        <p:spPr>
+          <a:xfrm>
+            <a:off x="378886" y="2133602"/>
+            <a:ext cx="11432116" cy="967840"/>
+          </a:xfrm>
+        </p:spPr>
+        <p:txBody>
+          <a:bodyPr>
+            <a:normAutofit/>
+          </a:bodyPr>
           <a:lstStyle/>
           <a:p>
+            <a:pPr marL="0" indent="0" algn="ctr">
+              <a:buNone/>
+            </a:pPr>
+            <a:r>
+              <a:rPr lang="en-US" sz="2800" dirty="0"/>
+              <a:t>Highly expressive specification language to test Java and Groovy!</a:t>
+            </a:r>
+          </a:p>
+        </p:txBody>
+      </p:sp>
+      <p:sp>
+        <p:nvSpPr>
+          <p:cNvPr id="4" name="TextBox 3">
+            <a:extLst>
+              <a:ext uri="{FF2B5EF4-FFF2-40B4-BE49-F238E27FC236}">
+                <a16:creationId xmlns:a16="http://schemas.microsoft.com/office/drawing/2014/main" id="{3230E88E-C1DD-694E-B1B8-B5C071A86454}"/>
+              </a:ext>
+            </a:extLst>
+          </p:cNvPr>
+          <p:cNvSpPr txBox="1"/>
+          <p:nvPr/>
+        </p:nvSpPr>
+        <p:spPr>
+          <a:xfrm>
+            <a:off x="6201103" y="5904452"/>
+            <a:ext cx="5855193" cy="646331"/>
+          </a:xfrm>
+          <a:prstGeom prst="rect">
+            <a:avLst/>
+          </a:prstGeom>
+          <a:noFill/>
+        </p:spPr>
+        <p:txBody>
+          <a:bodyPr wrap="none" rtlCol="0">
+            <a:spAutoFit/>
+          </a:bodyPr>
+          <a:lstStyle/>
+          <a:p>
             <a:r>
               <a:rPr lang="en-US" dirty="0"/>
-              <a:t>Specification </a:t>
-            </a:r>
-            <a:r>
-              <a:rPr lang="en-US" dirty="0" err="1"/>
-              <a:t>spock.lang</a:t>
-            </a:r>
+              <a:t>What you want is irrelevant, What you’ve chosen is at hand. </a:t>
+            </a:r>
+          </a:p>
+          <a:p>
             <a:r>
               <a:rPr lang="en-US" dirty="0"/>
-              <a:t>.*</a:t>
-            </a:r>
-          </a:p>
-          <a:p>
-            <a:r>
-              <a:rPr lang="en-US" dirty="0"/>
-              <a:t>Fixture Methods [</a:t>
-            </a:r>
-            <a:r>
-              <a:rPr lang="en-US" dirty="0" err="1"/>
-              <a:t>setupSpec</a:t>
-            </a:r>
-            <a:r>
-              <a:rPr lang="en-US" dirty="0"/>
-              <a:t>(), </a:t>
-            </a:r>
-            <a:r>
-              <a:rPr lang="en-US" dirty="0" err="1"/>
-              <a:t>cleanupSpec</a:t>
-            </a:r>
-            <a:r>
-              <a:rPr lang="en-US" dirty="0"/>
-              <a:t>()] [setup(), cleanup()]</a:t>
-            </a:r>
-          </a:p>
-          <a:p>
-            <a:r>
-              <a:rPr lang="en-US" dirty="0"/>
-              <a:t>Feature Method Heart of the Specification what you are testing</a:t>
-            </a:r>
-          </a:p>
-          <a:p>
-            <a:r>
-              <a:rPr lang="en-US" dirty="0"/>
-              <a:t>Blocks setup -&gt; stimulus -&gt; response -&gt; cleanup ➰ where</a:t>
-            </a:r>
-          </a:p>
-          <a:p>
-            <a:r>
-              <a:rPr lang="en-US" dirty="0"/>
-              <a:t>Conditions plain </a:t>
-            </a:r>
-            <a:r>
-              <a:rPr lang="en-US" dirty="0" err="1"/>
-              <a:t>boolean</a:t>
-            </a:r>
-            <a:r>
-              <a:rPr lang="en-US" dirty="0"/>
-              <a:t> expressions Groovy Truth</a:t>
-            </a:r>
-          </a:p>
-          <a:p>
-            <a:r>
-              <a:rPr lang="en-US" dirty="0"/>
-              <a:t>Interactions &amp; Mocks behavior of objects not just checking state i.e. outcome</a:t>
-            </a:r>
-          </a:p>
-          <a:p>
-            <a:pPr marL="0" indent="0">
-              <a:buNone/>
-            </a:pPr>
-            <a:endParaRPr lang="en-US" dirty="0"/>
+              <a:t>-- Spock 1991 Undiscovered Country</a:t>
+            </a:r>
           </a:p>
         </p:txBody>
       </p:sp>
     </p:spTree>
     <p:extLst>
       <p:ext uri="{BB962C8B-B14F-4D97-AF65-F5344CB8AC3E}">
-        <p14:creationId xmlns:p14="http://schemas.microsoft.com/office/powerpoint/2010/main" val="3670212540"/>
+        <p14:creationId xmlns:p14="http://schemas.microsoft.com/office/powerpoint/2010/main" val="4012537823"/>
       </p:ext>
     </p:extLst>
   </p:cSld>
@@ -9452,6 +9436,160 @@
           <p:cNvPr id="2" name="Title 1">
             <a:extLst>
               <a:ext uri="{FF2B5EF4-FFF2-40B4-BE49-F238E27FC236}">
+                <a16:creationId xmlns:a16="http://schemas.microsoft.com/office/drawing/2014/main" id="{F060F0D3-EFB2-874A-B84A-15BE6CF558BB}"/>
+              </a:ext>
+            </a:extLst>
+          </p:cNvPr>
+          <p:cNvSpPr>
+            <a:spLocks noGrp="1"/>
+          </p:cNvSpPr>
+          <p:nvPr>
+            <p:ph type="title"/>
+          </p:nvPr>
+        </p:nvSpPr>
+        <p:spPr/>
+        <p:txBody>
+          <a:bodyPr/>
+          <a:lstStyle/>
+          <a:p>
+            <a:r>
+              <a:rPr lang="en-US" dirty="0"/>
+              <a:t>What will be covered?</a:t>
+            </a:r>
+          </a:p>
+        </p:txBody>
+      </p:sp>
+      <p:sp>
+        <p:nvSpPr>
+          <p:cNvPr id="3" name="Content Placeholder 2">
+            <a:extLst>
+              <a:ext uri="{FF2B5EF4-FFF2-40B4-BE49-F238E27FC236}">
+                <a16:creationId xmlns:a16="http://schemas.microsoft.com/office/drawing/2014/main" id="{923826C6-F94A-A24F-B2A1-23EE399E2FE0}"/>
+              </a:ext>
+            </a:extLst>
+          </p:cNvPr>
+          <p:cNvSpPr>
+            <a:spLocks noGrp="1"/>
+          </p:cNvSpPr>
+          <p:nvPr>
+            <p:ph idx="1"/>
+          </p:nvPr>
+        </p:nvSpPr>
+        <p:spPr/>
+        <p:txBody>
+          <a:bodyPr/>
+          <a:lstStyle/>
+          <a:p>
+            <a:r>
+              <a:rPr lang="en-US" dirty="0"/>
+              <a:t>Specification </a:t>
+            </a:r>
+            <a:r>
+              <a:rPr lang="en-US" dirty="0" err="1"/>
+              <a:t>spock.lang</a:t>
+            </a:r>
+            <a:r>
+              <a:rPr lang="en-US" dirty="0"/>
+              <a:t>.*</a:t>
+            </a:r>
+          </a:p>
+          <a:p>
+            <a:r>
+              <a:rPr lang="en-US" dirty="0"/>
+              <a:t>Fixture Methods [</a:t>
+            </a:r>
+            <a:r>
+              <a:rPr lang="en-US" dirty="0" err="1"/>
+              <a:t>setupSpec</a:t>
+            </a:r>
+            <a:r>
+              <a:rPr lang="en-US" dirty="0"/>
+              <a:t>(), </a:t>
+            </a:r>
+            <a:r>
+              <a:rPr lang="en-US" dirty="0" err="1"/>
+              <a:t>cleanupSpec</a:t>
+            </a:r>
+            <a:r>
+              <a:rPr lang="en-US" dirty="0"/>
+              <a:t>()] [setup(), cleanup()]</a:t>
+            </a:r>
+          </a:p>
+          <a:p>
+            <a:r>
+              <a:rPr lang="en-US" dirty="0"/>
+              <a:t>Feature Method Heart of the Specification what you are testing</a:t>
+            </a:r>
+          </a:p>
+          <a:p>
+            <a:r>
+              <a:rPr lang="en-US" dirty="0"/>
+              <a:t>Blocks setup -&gt; stimulus -&gt; response -&gt; cleanup ➰ where</a:t>
+            </a:r>
+          </a:p>
+          <a:p>
+            <a:r>
+              <a:rPr lang="en-US" dirty="0"/>
+              <a:t>Conditions plain </a:t>
+            </a:r>
+            <a:r>
+              <a:rPr lang="en-US" dirty="0" err="1"/>
+              <a:t>boolean</a:t>
+            </a:r>
+            <a:r>
+              <a:rPr lang="en-US" dirty="0"/>
+              <a:t> expressions Groovy Truth</a:t>
+            </a:r>
+          </a:p>
+          <a:p>
+            <a:r>
+              <a:rPr lang="en-US" dirty="0"/>
+              <a:t>Interactions &amp; Mocks behavior of objects not just checking state i.e. outcome</a:t>
+            </a:r>
+          </a:p>
+          <a:p>
+            <a:pPr marL="0" indent="0">
+              <a:buNone/>
+            </a:pPr>
+            <a:endParaRPr lang="en-US" dirty="0"/>
+          </a:p>
+        </p:txBody>
+      </p:sp>
+    </p:spTree>
+    <p:extLst>
+      <p:ext uri="{BB962C8B-B14F-4D97-AF65-F5344CB8AC3E}">
+        <p14:creationId xmlns:p14="http://schemas.microsoft.com/office/powerpoint/2010/main" val="3670212540"/>
+      </p:ext>
+    </p:extLst>
+  </p:cSld>
+  <p:clrMapOvr>
+    <a:masterClrMapping/>
+  </p:clrMapOvr>
+</p:sld>
+</file>
+
+<file path=ppt/slides/slide4.xml><?xml version="1.0" encoding="utf-8"?>
+<p:sld xmlns:a="http://schemas.openxmlformats.org/drawingml/2006/main" xmlns:r="http://schemas.openxmlformats.org/officeDocument/2006/relationships" xmlns:p="http://schemas.openxmlformats.org/presentationml/2006/main">
+  <p:cSld>
+    <p:spTree>
+      <p:nvGrpSpPr>
+        <p:cNvPr id="1" name=""/>
+        <p:cNvGrpSpPr/>
+        <p:nvPr/>
+      </p:nvGrpSpPr>
+      <p:grpSpPr>
+        <a:xfrm>
+          <a:off x="0" y="0"/>
+          <a:ext cx="0" cy="0"/>
+          <a:chOff x="0" y="0"/>
+          <a:chExt cx="0" cy="0"/>
+        </a:xfrm>
+      </p:grpSpPr>
+      <p:sp>
+        <p:nvSpPr>
+          <p:cNvPr id="2" name="Title 1">
+            <a:extLst>
+              <a:ext uri="{FF2B5EF4-FFF2-40B4-BE49-F238E27FC236}">
                 <a16:creationId xmlns:a16="http://schemas.microsoft.com/office/drawing/2014/main" id="{DE4B23B2-0A17-CC4F-A9C9-AAF6056A7AAE}"/>
               </a:ext>
             </a:extLst>
@@ -9560,7 +9698,7 @@
 </p:sld>
 </file>
 
-<file path=ppt/slides/slide4.xml><?xml version="1.0" encoding="utf-8"?>
+<file path=ppt/slides/slide5.xml><?xml version="1.0" encoding="utf-8"?>
 <p:sld xmlns:a="http://schemas.openxmlformats.org/drawingml/2006/main" xmlns:r="http://schemas.openxmlformats.org/officeDocument/2006/relationships" xmlns:p="http://schemas.openxmlformats.org/presentationml/2006/main">
   <p:cSld>
     <p:spTree>
@@ -9705,7 +9843,7 @@
 </p:sld>
 </file>
 
-<file path=ppt/slides/slide5.xml><?xml version="1.0" encoding="utf-8"?>
+<file path=ppt/slides/slide6.xml><?xml version="1.0" encoding="utf-8"?>
 <p:sld xmlns:a="http://schemas.openxmlformats.org/drawingml/2006/main" xmlns:r="http://schemas.openxmlformats.org/officeDocument/2006/relationships" xmlns:p="http://schemas.openxmlformats.org/presentationml/2006/main">
   <p:cSld>
     <p:spTree>
@@ -9786,13 +9924,62 @@
           <a:p>
             <a:r>
               <a:rPr lang="en-US" dirty="0"/>
-              <a:t>web: http://</a:t>
+              <a:t>web: </a:t>
+            </a:r>
+            <a:r>
+              <a:rPr lang="en-US" dirty="0">
+                <a:hlinkClick r:id="rId2"/>
+              </a:rPr>
+              <a:t>http://</a:t>
             </a:r>
             <a:r>
               <a:rPr lang="en-US" u="sng" dirty="0">
                 <a:hlinkClick r:id="rId2"/>
               </a:rPr>
               <a:t>www.davidparry.com</a:t>
+            </a:r>
+            <a:endParaRPr lang="en-US" u="sng" dirty="0"/>
+          </a:p>
+          <a:p>
+            <a:r>
+              <a:rPr lang="en-US" u="sng" dirty="0" err="1"/>
+              <a:t>g</a:t>
+            </a:r>
+            <a:r>
+              <a:rPr lang="en-US" b="0" u="sng" dirty="0" err="1">
+                <a:effectLst/>
+              </a:rPr>
+              <a:t>ithub</a:t>
+            </a:r>
+            <a:r>
+              <a:rPr lang="en-US" b="0" u="sng" dirty="0">
+                <a:effectLst/>
+              </a:rPr>
+              <a:t>: https://</a:t>
+            </a:r>
+            <a:r>
+              <a:rPr lang="en-US" b="0" u="sng" dirty="0" err="1">
+                <a:effectLst/>
+              </a:rPr>
+              <a:t>github.com</a:t>
+            </a:r>
+            <a:r>
+              <a:rPr lang="en-US" b="0" u="sng" dirty="0">
+                <a:effectLst/>
+              </a:rPr>
+              <a:t>/</a:t>
+            </a:r>
+            <a:r>
+              <a:rPr lang="en-US" b="0" u="sng" dirty="0" err="1">
+                <a:effectLst/>
+              </a:rPr>
+              <a:t>davidparry</a:t>
+            </a:r>
+            <a:r>
+              <a:rPr lang="en-US" b="0" u="sng" dirty="0">
+                <a:effectLst/>
+              </a:rPr>
+              <a:t> </a:t>
             </a:r>
             <a:endParaRPr lang="en-US" b="0" dirty="0">
               <a:effectLst/>

--- a/presenntation.pptx
+++ b/presenntation.pptx
@@ -150,7 +150,7 @@
           <a:p>
             <a:fld id="{6E02D03B-9435-574C-AD38-0A797272BEDB}" type="datetimeFigureOut">
               <a:rPr lang="en-US" smtClean="0"/>
-              <a:t>2/8/20</a:t>
+              <a:t>4/2/21</a:t>
             </a:fld>
             <a:endParaRPr lang="en-US"/>
           </a:p>
@@ -964,7 +964,7 @@
           <a:p>
             <a:fld id="{6E02D03B-9435-574C-AD38-0A797272BEDB}" type="datetimeFigureOut">
               <a:rPr lang="en-US" smtClean="0"/>
-              <a:t>2/8/20</a:t>
+              <a:t>4/2/21</a:t>
             </a:fld>
             <a:endParaRPr lang="en-US"/>
           </a:p>
@@ -1501,7 +1501,7 @@
           <a:p>
             <a:fld id="{6E02D03B-9435-574C-AD38-0A797272BEDB}" type="datetimeFigureOut">
               <a:rPr lang="en-US" smtClean="0"/>
-              <a:t>2/8/20</a:t>
+              <a:t>4/2/21</a:t>
             </a:fld>
             <a:endParaRPr lang="en-US"/>
           </a:p>
@@ -1990,7 +1990,7 @@
           <a:p>
             <a:fld id="{6E02D03B-9435-574C-AD38-0A797272BEDB}" type="datetimeFigureOut">
               <a:rPr lang="en-US" smtClean="0"/>
-              <a:t>2/8/20</a:t>
+              <a:t>4/2/21</a:t>
             </a:fld>
             <a:endParaRPr lang="en-US"/>
           </a:p>
@@ -2386,7 +2386,7 @@
           <a:p>
             <a:fld id="{6E02D03B-9435-574C-AD38-0A797272BEDB}" type="datetimeFigureOut">
               <a:rPr lang="en-US" smtClean="0"/>
-              <a:t>2/8/20</a:t>
+              <a:t>4/2/21</a:t>
             </a:fld>
             <a:endParaRPr lang="en-US"/>
           </a:p>
@@ -3116,7 +3116,7 @@
           <a:p>
             <a:fld id="{6E02D03B-9435-574C-AD38-0A797272BEDB}" type="datetimeFigureOut">
               <a:rPr lang="en-US" smtClean="0"/>
-              <a:t>2/8/20</a:t>
+              <a:t>4/2/21</a:t>
             </a:fld>
             <a:endParaRPr lang="en-US"/>
           </a:p>
@@ -3693,7 +3693,7 @@
           <a:p>
             <a:fld id="{6E02D03B-9435-574C-AD38-0A797272BEDB}" type="datetimeFigureOut">
               <a:rPr lang="en-US" smtClean="0"/>
-              <a:t>2/8/20</a:t>
+              <a:t>4/2/21</a:t>
             </a:fld>
             <a:endParaRPr lang="en-US"/>
           </a:p>
@@ -4145,7 +4145,7 @@
           <a:p>
             <a:fld id="{6E02D03B-9435-574C-AD38-0A797272BEDB}" type="datetimeFigureOut">
               <a:rPr lang="en-US" smtClean="0"/>
-              <a:t>2/8/20</a:t>
+              <a:t>4/2/21</a:t>
             </a:fld>
             <a:endParaRPr lang="en-US"/>
           </a:p>
@@ -4583,7 +4583,7 @@
           <a:p>
             <a:fld id="{6E02D03B-9435-574C-AD38-0A797272BEDB}" type="datetimeFigureOut">
               <a:rPr lang="en-US" smtClean="0"/>
-              <a:t>2/8/20</a:t>
+              <a:t>4/2/21</a:t>
             </a:fld>
             <a:endParaRPr lang="en-US"/>
           </a:p>
@@ -4937,7 +4937,7 @@
           <a:p>
             <a:fld id="{6E02D03B-9435-574C-AD38-0A797272BEDB}" type="datetimeFigureOut">
               <a:rPr lang="en-US" smtClean="0"/>
-              <a:t>2/8/20</a:t>
+              <a:t>4/2/21</a:t>
             </a:fld>
             <a:endParaRPr lang="en-US"/>
           </a:p>
@@ -5700,7 +5700,7 @@
           <a:p>
             <a:fld id="{6E02D03B-9435-574C-AD38-0A797272BEDB}" type="datetimeFigureOut">
               <a:rPr lang="en-US" smtClean="0"/>
-              <a:t>2/8/20</a:t>
+              <a:t>4/2/21</a:t>
             </a:fld>
             <a:endParaRPr lang="en-US"/>
           </a:p>
@@ -6072,7 +6072,7 @@
           <a:p>
             <a:fld id="{6E02D03B-9435-574C-AD38-0A797272BEDB}" type="datetimeFigureOut">
               <a:rPr lang="en-US" smtClean="0"/>
-              <a:t>2/8/20</a:t>
+              <a:t>4/2/21</a:t>
             </a:fld>
             <a:endParaRPr lang="en-US"/>
           </a:p>
@@ -6869,7 +6869,7 @@
           <a:p>
             <a:fld id="{6E02D03B-9435-574C-AD38-0A797272BEDB}" type="datetimeFigureOut">
               <a:rPr lang="en-US" smtClean="0"/>
-              <a:t>2/8/20</a:t>
+              <a:t>4/2/21</a:t>
             </a:fld>
             <a:endParaRPr lang="en-US"/>
           </a:p>
@@ -7583,7 +7583,7 @@
           <a:p>
             <a:fld id="{6E02D03B-9435-574C-AD38-0A797272BEDB}" type="datetimeFigureOut">
               <a:rPr lang="en-US" smtClean="0"/>
-              <a:t>2/8/20</a:t>
+              <a:t>4/2/21</a:t>
             </a:fld>
             <a:endParaRPr lang="en-US"/>
           </a:p>
@@ -7965,7 +7965,7 @@
           <a:p>
             <a:fld id="{6E02D03B-9435-574C-AD38-0A797272BEDB}" type="datetimeFigureOut">
               <a:rPr lang="en-US" smtClean="0"/>
-              <a:t>2/8/20</a:t>
+              <a:t>4/2/21</a:t>
             </a:fld>
             <a:endParaRPr lang="en-US"/>
           </a:p>
@@ -8274,7 +8274,7 @@
           <a:p>
             <a:fld id="{6E02D03B-9435-574C-AD38-0A797272BEDB}" type="datetimeFigureOut">
               <a:rPr lang="en-US" smtClean="0"/>
-              <a:t>2/8/20</a:t>
+              <a:t>4/2/21</a:t>
             </a:fld>
             <a:endParaRPr lang="en-US"/>
           </a:p>
@@ -8668,7 +8668,7 @@
           <a:p>
             <a:fld id="{6E02D03B-9435-574C-AD38-0A797272BEDB}" type="datetimeFigureOut">
               <a:rPr lang="en-US" smtClean="0"/>
-              <a:t>2/8/20</a:t>
+              <a:t>4/2/21</a:t>
             </a:fld>
             <a:endParaRPr lang="en-US"/>
           </a:p>
@@ -9530,7 +9530,7 @@
           <a:p>
             <a:r>
               <a:rPr lang="en-US" dirty="0"/>
-              <a:t>runs on Java 7+ and Groovy 2.4+</a:t>
+              <a:t>runs on Java 8+ and Groovy 3.0+</a:t>
             </a:r>
           </a:p>
           <a:p>
